--- a/connectathons/Boston2013/Introduction.pptx
+++ b/connectathons/Boston2013/Introduction.pptx
@@ -3461,13 +3461,13 @@
         <p:spPr/>
         <p:txBody>
           <a:bodyPr>
-            <a:normAutofit fontScale="85000" lnSpcReduction="20000"/>
+            <a:normAutofit fontScale="77500" lnSpcReduction="20000"/>
           </a:bodyPr>
           <a:lstStyle/>
           <a:p>
             <a:r>
               <a:rPr lang="en-US" dirty="0" smtClean="0"/>
-              <a:t>Testing of the spec</a:t>
+              <a:t>Testing/Advancing of the spec</a:t>
             </a:r>
           </a:p>
           <a:p>
@@ -3486,6 +3486,13 @@
             <a:r>
               <a:rPr lang="en-US" dirty="0" smtClean="0"/>
               <a:t>easier to use?</a:t>
+            </a:r>
+          </a:p>
+          <a:p>
+            <a:pPr lvl="1"/>
+            <a:r>
+              <a:rPr lang="en-US" dirty="0" smtClean="0"/>
+              <a:t>What should be added, removed, changed?</a:t>
             </a:r>
             <a:endParaRPr lang="en-US" dirty="0" smtClean="0"/>
           </a:p>
@@ -3811,20 +3818,36 @@
             </a:r>
             <a:r>
               <a:rPr lang="en-US" dirty="0" smtClean="0"/>
-              <a:t>that summarizes key info</a:t>
+              <a:t>that summarizes key </a:t>
+            </a:r>
+            <a:r>
+              <a:rPr lang="en-US" dirty="0" smtClean="0"/>
+              <a:t>info</a:t>
             </a:r>
           </a:p>
           <a:p>
             <a:pPr lvl="1"/>
             <a:r>
               <a:rPr lang="en-US" dirty="0" smtClean="0"/>
-              <a:t>Test servers &amp; capabilities</a:t>
-            </a:r>
+              <a:t>Linked from the Connectathon wiki</a:t>
+            </a:r>
+            <a:endParaRPr lang="en-US" dirty="0" smtClean="0"/>
           </a:p>
           <a:p>
             <a:pPr lvl="1"/>
             <a:r>
               <a:rPr lang="en-US" dirty="0" smtClean="0"/>
+              <a:t>Test </a:t>
+            </a:r>
+            <a:r>
+              <a:rPr lang="en-US" dirty="0" smtClean="0"/>
+              <a:t>servers &amp; capabilities</a:t>
+            </a:r>
+          </a:p>
+          <a:p>
+            <a:pPr lvl="1"/>
+            <a:r>
+              <a:rPr lang="en-US" dirty="0" smtClean="0"/>
               <a:t>Participants &amp; scenarios</a:t>
             </a:r>
           </a:p>
@@ -3838,14 +3861,6 @@
               <a:rPr lang="en-US" dirty="0" smtClean="0"/>
               <a:t>info</a:t>
             </a:r>
-          </a:p>
-          <a:p>
-            <a:pPr lvl="1"/>
-            <a:r>
-              <a:rPr lang="en-US" dirty="0" smtClean="0"/>
-              <a:t>Linked from the Connectathon wiki</a:t>
-            </a:r>
-            <a:endParaRPr lang="en-US" dirty="0" smtClean="0"/>
           </a:p>
           <a:p>
             <a:r>
@@ -4203,15 +4218,23 @@
           <a:p>
             <a:r>
               <a:rPr lang="en-US" dirty="0" smtClean="0"/>
-              <a:t>Please make sure you complete the registration sheet </a:t>
+              <a:t>Please make sure you </a:t>
+            </a:r>
+            <a:r>
+              <a:rPr lang="en-US" dirty="0" smtClean="0"/>
+              <a:t>update the </a:t>
+            </a:r>
+            <a:r>
+              <a:rPr lang="en-US" dirty="0" err="1" smtClean="0"/>
+              <a:t>google</a:t>
+            </a:r>
+            <a:r>
+              <a:rPr lang="en-US" dirty="0" smtClean="0"/>
+              <a:t> doc </a:t>
             </a:r>
             <a:r>
               <a:rPr lang="en-US" dirty="0" err="1" smtClean="0"/>
               <a:t>asap</a:t>
-            </a:r>
-            <a:r>
-              <a:rPr lang="en-US" dirty="0" smtClean="0"/>
-              <a:t> as we’ll use that for the wiki</a:t>
             </a:r>
             <a:endParaRPr lang="en-US" dirty="0"/>
           </a:p>
@@ -4289,6 +4312,43 @@
               <a:rPr lang="en-US" dirty="0" smtClean="0"/>
               <a:t>On to Introductions</a:t>
             </a:r>
+          </a:p>
+          <a:p>
+            <a:pPr lvl="1"/>
+            <a:r>
+              <a:rPr lang="en-US" dirty="0"/>
+              <a:t>Which scenarios you will be exercising / developing</a:t>
+            </a:r>
+          </a:p>
+          <a:p>
+            <a:pPr lvl="2"/>
+            <a:r>
+              <a:rPr lang="en-US" dirty="0"/>
+              <a:t>Server/client</a:t>
+            </a:r>
+          </a:p>
+          <a:p>
+            <a:pPr lvl="2"/>
+            <a:r>
+              <a:rPr lang="en-US" dirty="0"/>
+              <a:t>XML/JSON/Both</a:t>
+            </a:r>
+          </a:p>
+          <a:p>
+            <a:pPr lvl="1"/>
+            <a:r>
+              <a:rPr lang="en-US" dirty="0"/>
+              <a:t>Which scenarios you will be testing</a:t>
+            </a:r>
+          </a:p>
+          <a:p>
+            <a:pPr lvl="2"/>
+            <a:r>
+              <a:rPr lang="en-US"/>
+              <a:t>As above</a:t>
+            </a:r>
+          </a:p>
+          <a:p>
             <a:endParaRPr lang="en-US" dirty="0"/>
           </a:p>
         </p:txBody>
